--- a/src/main/resources/models/CertificateNR34.pptx
+++ b/src/main/resources/models/CertificateNR34.pptx
@@ -7747,25 +7747,19 @@
               <a:rPr lang="pt-BR" altLang="pt-BR" dirty="0">
                 <a:latin typeface="Arial" panose="020B0604020202020204" pitchFamily="34" charset="0"/>
               </a:rPr>
-              <a:t>portador do </a:t>
-            </a:r>
-            <a:r>
-              <a:rPr lang="pt-BR" altLang="pt-BR" dirty="0" smtClean="0">
+              <a:t>portador </a:t>
+            </a:r>
+            <a:r>
+              <a:rPr lang="pt-BR" altLang="pt-BR">
                 <a:latin typeface="Arial" panose="020B0604020202020204" pitchFamily="34" charset="0"/>
               </a:rPr>
-              <a:t>RG nº </a:t>
-            </a:r>
-            <a:r>
-              <a:rPr lang="pt-BR" altLang="pt-BR" dirty="0" smtClean="0">
+              <a:t>do </a:t>
+            </a:r>
+            <a:r>
+              <a:rPr lang="pt-BR" altLang="pt-BR" smtClean="0">
                 <a:latin typeface="Arial" panose="020B0604020202020204" pitchFamily="34" charset="0"/>
               </a:rPr>
-              <a:t>{{RG}} </a:t>
-            </a:r>
-            <a:r>
-              <a:rPr lang="pt-BR" altLang="pt-BR" dirty="0">
-                <a:latin typeface="Arial" panose="020B0604020202020204" pitchFamily="34" charset="0"/>
-              </a:rPr>
-              <a:t>e CPF </a:t>
+              <a:t>CPF </a:t>
             </a:r>
             <a:r>
               <a:rPr lang="pt-BR" altLang="pt-BR" dirty="0" smtClean="0">
@@ -7813,22 +7807,16 @@
           <a:p>
             <a:pPr lvl="3" algn="ctr" eaLnBrk="1" hangingPunct="1"/>
             <a:r>
-              <a:rPr lang="pt-BR" altLang="pt-BR" sz="1400">
+              <a:rPr lang="pt-BR" altLang="pt-BR" sz="1400" dirty="0">
                 <a:latin typeface="Arial" panose="020B0604020202020204" pitchFamily="34" charset="0"/>
               </a:rPr>
               <a:t>São </a:t>
             </a:r>
             <a:r>
-              <a:rPr lang="pt-BR" altLang="pt-BR" sz="1400" smtClean="0">
+              <a:rPr lang="pt-BR" altLang="pt-BR" sz="1400" dirty="0" smtClean="0">
                 <a:latin typeface="Arial" panose="020B0604020202020204" pitchFamily="34" charset="0"/>
               </a:rPr>
               <a:t>Carlos, {{DATA}}</a:t>
-            </a:r>
-            <a:r>
-              <a:rPr lang="pt-BR" altLang="pt-BR" sz="1400" dirty="0" smtClean="0">
-                <a:latin typeface="Arial" panose="020B0604020202020204" pitchFamily="34" charset="0"/>
-              </a:rPr>
-              <a:t/>
             </a:r>
             <a:br>
               <a:rPr lang="pt-BR" altLang="pt-BR" sz="1400" dirty="0" smtClean="0">
